--- a/기상상황과 주가와의 상관관계.pptx
+++ b/기상상황과 주가와의 상관관계.pptx
@@ -106,6 +106,11 @@
       </a:defRPr>
     </a:lvl9pPr>
   </p:defaultTextStyle>
+  <p:extLst>
+    <p:ext uri="{EFAFB233-063F-42B5-8137-9DF3F51BA10A}">
+      <p15:sldGuideLst xmlns:p15="http://schemas.microsoft.com/office/powerpoint/2012/main"/>
+    </p:ext>
+  </p:extLst>
 </p:presentation>
 </file>
 
@@ -3583,7 +3588,11 @@
           <a:p>
             <a:r>
               <a:rPr lang="ko-KR" altLang="en-US" dirty="0"/>
-              <a:t>자료 모으기</a:t>
+              <a:t>자료 모으기 및 </a:t>
+            </a:r>
+            <a:r>
+              <a:rPr lang="ko-KR" altLang="en-US" dirty="0" err="1"/>
+              <a:t>전처리</a:t>
             </a:r>
             <a:endParaRPr lang="en-US" altLang="ko-KR" dirty="0"/>
           </a:p>
